--- a/presentation/btrfsvsext4.pptx
+++ b/presentation/btrfsvsext4.pptx
@@ -7462,6 +7462,10 @@
           <a:bodyPr/>
           <a:lstStyle/>
           <a:p>
+            <a:r>
+              <a:rPr lang="de-DE" dirty="0" smtClean="0"/>
+              <a:t>B-Baum</a:t>
+            </a:r>
             <a:endParaRPr lang="de-DE" dirty="0"/>
           </a:p>
         </p:txBody>
@@ -7481,6 +7485,10 @@
           <a:bodyPr/>
           <a:lstStyle/>
           <a:p>
+            <a:r>
+              <a:rPr lang="de-DE" smtClean="0"/>
+              <a:t>Pipi</a:t>
+            </a:r>
             <a:endParaRPr lang="de-DE" dirty="0"/>
           </a:p>
         </p:txBody>
